--- a/Presentation.pptx
+++ b/Presentation.pptx
@@ -11,8 +11,10 @@
     <p:sldId id="257" r:id="rId5"/>
     <p:sldId id="260" r:id="rId6"/>
     <p:sldId id="263" r:id="rId7"/>
-    <p:sldId id="261" r:id="rId8"/>
-    <p:sldId id="262" r:id="rId9"/>
+    <p:sldId id="266" r:id="rId8"/>
+    <p:sldId id="264" r:id="rId9"/>
+    <p:sldId id="265" r:id="rId10"/>
+    <p:sldId id="262" r:id="rId11"/>
   </p:sldIdLst>
   <p:sldSz cx="9144000" cy="6858000" type="screen4x3"/>
   <p:notesSz cx="6858000" cy="9144000"/>
@@ -308,7 +310,7 @@
           <a:p>
             <a:fld id="{B4C71EC6-210F-42DE-9C53-41977AD35B3D}" type="datetimeFigureOut">
               <a:rPr lang="ru-RU" smtClean="0"/>
-              <a:t>27.02.2020</a:t>
+              <a:t>28.02.2020</a:t>
             </a:fld>
             <a:endParaRPr lang="ru-RU"/>
           </a:p>
@@ -473,7 +475,7 @@
           <a:p>
             <a:fld id="{B4C71EC6-210F-42DE-9C53-41977AD35B3D}" type="datetimeFigureOut">
               <a:rPr lang="ru-RU" smtClean="0"/>
-              <a:t>27.02.2020</a:t>
+              <a:t>28.02.2020</a:t>
             </a:fld>
             <a:endParaRPr lang="ru-RU"/>
           </a:p>
@@ -648,7 +650,7 @@
           <a:p>
             <a:fld id="{B4C71EC6-210F-42DE-9C53-41977AD35B3D}" type="datetimeFigureOut">
               <a:rPr lang="ru-RU" smtClean="0"/>
-              <a:t>27.02.2020</a:t>
+              <a:t>28.02.2020</a:t>
             </a:fld>
             <a:endParaRPr lang="ru-RU"/>
           </a:p>
@@ -813,7 +815,7 @@
           <a:p>
             <a:fld id="{B4C71EC6-210F-42DE-9C53-41977AD35B3D}" type="datetimeFigureOut">
               <a:rPr lang="ru-RU" smtClean="0"/>
-              <a:t>27.02.2020</a:t>
+              <a:t>28.02.2020</a:t>
             </a:fld>
             <a:endParaRPr lang="ru-RU"/>
           </a:p>
@@ -1054,7 +1056,7 @@
           <a:p>
             <a:fld id="{B4C71EC6-210F-42DE-9C53-41977AD35B3D}" type="datetimeFigureOut">
               <a:rPr lang="ru-RU" smtClean="0"/>
-              <a:t>27.02.2020</a:t>
+              <a:t>28.02.2020</a:t>
             </a:fld>
             <a:endParaRPr lang="ru-RU"/>
           </a:p>
@@ -1337,7 +1339,7 @@
           <a:p>
             <a:fld id="{B4C71EC6-210F-42DE-9C53-41977AD35B3D}" type="datetimeFigureOut">
               <a:rPr lang="ru-RU" smtClean="0"/>
-              <a:t>27.02.2020</a:t>
+              <a:t>28.02.2020</a:t>
             </a:fld>
             <a:endParaRPr lang="ru-RU"/>
           </a:p>
@@ -1766,7 +1768,7 @@
           <a:p>
             <a:fld id="{B4C71EC6-210F-42DE-9C53-41977AD35B3D}" type="datetimeFigureOut">
               <a:rPr lang="ru-RU" smtClean="0"/>
-              <a:t>27.02.2020</a:t>
+              <a:t>28.02.2020</a:t>
             </a:fld>
             <a:endParaRPr lang="ru-RU"/>
           </a:p>
@@ -1879,7 +1881,7 @@
           <a:p>
             <a:fld id="{B4C71EC6-210F-42DE-9C53-41977AD35B3D}" type="datetimeFigureOut">
               <a:rPr lang="ru-RU" smtClean="0"/>
-              <a:t>27.02.2020</a:t>
+              <a:t>28.02.2020</a:t>
             </a:fld>
             <a:endParaRPr lang="ru-RU"/>
           </a:p>
@@ -1969,7 +1971,7 @@
           <a:p>
             <a:fld id="{B4C71EC6-210F-42DE-9C53-41977AD35B3D}" type="datetimeFigureOut">
               <a:rPr lang="ru-RU" smtClean="0"/>
-              <a:t>27.02.2020</a:t>
+              <a:t>28.02.2020</a:t>
             </a:fld>
             <a:endParaRPr lang="ru-RU"/>
           </a:p>
@@ -2158,7 +2160,7 @@
           <a:p>
             <a:fld id="{B4C71EC6-210F-42DE-9C53-41977AD35B3D}" type="datetimeFigureOut">
               <a:rPr lang="ru-RU" smtClean="0"/>
-              <a:t>27.02.2020</a:t>
+              <a:t>28.02.2020</a:t>
             </a:fld>
             <a:endParaRPr lang="ru-RU"/>
           </a:p>
@@ -2476,7 +2478,7 @@
           <a:p>
             <a:fld id="{B4C71EC6-210F-42DE-9C53-41977AD35B3D}" type="datetimeFigureOut">
               <a:rPr lang="ru-RU" smtClean="0"/>
-              <a:t>27.02.2020</a:t>
+              <a:t>28.02.2020</a:t>
             </a:fld>
             <a:endParaRPr lang="ru-RU"/>
           </a:p>
@@ -2855,7 +2857,7 @@
           <a:p>
             <a:fld id="{B4C71EC6-210F-42DE-9C53-41977AD35B3D}" type="datetimeFigureOut">
               <a:rPr lang="ru-RU" smtClean="0"/>
-              <a:t>27.02.2020</a:t>
+              <a:t>28.02.2020</a:t>
             </a:fld>
             <a:endParaRPr lang="ru-RU"/>
           </a:p>
@@ -3230,6 +3232,75 @@
 </p:sld>
 </file>
 
+<file path=ppt/slides/slide10.xml><?xml version="1.0" encoding="utf-8"?>
+<p:sld xmlns:a="http://schemas.openxmlformats.org/drawingml/2006/main" xmlns:r="http://schemas.openxmlformats.org/officeDocument/2006/relationships" xmlns:p="http://schemas.openxmlformats.org/presentationml/2006/main">
+  <p:cSld>
+    <p:spTree>
+      <p:nvGrpSpPr>
+        <p:cNvPr id="1" name=""/>
+        <p:cNvGrpSpPr/>
+        <p:nvPr/>
+      </p:nvGrpSpPr>
+      <p:grpSpPr>
+        <a:xfrm>
+          <a:off x="0" y="0"/>
+          <a:ext cx="0" cy="0"/>
+          <a:chOff x="0" y="0"/>
+          <a:chExt cx="0" cy="0"/>
+        </a:xfrm>
+      </p:grpSpPr>
+      <p:sp>
+        <p:nvSpPr>
+          <p:cNvPr id="2" name="Заголовок 1"/>
+          <p:cNvSpPr>
+            <a:spLocks noGrp="1"/>
+          </p:cNvSpPr>
+          <p:nvPr>
+            <p:ph type="title"/>
+          </p:nvPr>
+        </p:nvSpPr>
+        <p:spPr>
+          <a:xfrm>
+            <a:off x="762000" y="2780928"/>
+            <a:ext cx="7620000" cy="1143000"/>
+          </a:xfrm>
+        </p:spPr>
+        <p:txBody>
+          <a:bodyPr/>
+          <a:lstStyle/>
+          <a:p>
+            <a:r>
+              <a:rPr lang="ru-RU" dirty="0" smtClean="0"/>
+              <a:t>Спасибо за внимание ! :</a:t>
+            </a:r>
+            <a:r>
+              <a:rPr lang="en-US" dirty="0" smtClean="0"/>
+              <a:t>D</a:t>
+            </a:r>
+            <a:endParaRPr lang="ru-RU" dirty="0"/>
+          </a:p>
+        </p:txBody>
+      </p:sp>
+    </p:spTree>
+    <p:extLst>
+      <p:ext uri="{BB962C8B-B14F-4D97-AF65-F5344CB8AC3E}">
+        <p14:creationId xmlns:p14="http://schemas.microsoft.com/office/powerpoint/2010/main" val="453743651"/>
+      </p:ext>
+    </p:extLst>
+  </p:cSld>
+  <p:clrMapOvr>
+    <a:masterClrMapping/>
+  </p:clrMapOvr>
+  <p:timing>
+    <p:tnLst>
+      <p:par>
+        <p:cTn id="1" dur="indefinite" restart="never" nodeType="tmRoot"/>
+      </p:par>
+    </p:tnLst>
+  </p:timing>
+</p:sld>
+</file>
+
 <file path=ppt/slides/slide2.xml><?xml version="1.0" encoding="utf-8"?>
 <p:sld xmlns:a="http://schemas.openxmlformats.org/drawingml/2006/main" xmlns:r="http://schemas.openxmlformats.org/officeDocument/2006/relationships" xmlns:p="http://schemas.openxmlformats.org/presentationml/2006/main">
   <p:cSld>
@@ -4046,7 +4117,6 @@
               <a:rPr lang="ru-RU" dirty="0"/>
               <a:t> и их совместной разработки.</a:t>
             </a:r>
-            <a:endParaRPr lang="ru-RU" dirty="0"/>
           </a:p>
         </p:txBody>
       </p:sp>
@@ -4176,8 +4246,8 @@
         </p:nvSpPr>
         <p:spPr>
           <a:xfrm>
-            <a:off x="539552" y="2996952"/>
-            <a:ext cx="7620000" cy="1143000"/>
+            <a:off x="3527884" y="332656"/>
+            <a:ext cx="2088232" cy="720080"/>
           </a:xfrm>
         </p:spPr>
         <p:txBody>
@@ -4185,19 +4255,135 @@
           <a:lstStyle/>
           <a:p>
             <a:r>
-              <a:rPr lang="ru-RU" dirty="0" smtClean="0"/>
-              <a:t>ЗДЕСЬ НАДО ЧТО-ТО ПРО КОД СКАЗАТЬ</a:t>
+              <a:rPr lang="en-US" dirty="0" smtClean="0"/>
+              <a:t/>
             </a:r>
             <a:br>
-              <a:rPr lang="ru-RU" dirty="0" smtClean="0"/>
+              <a:rPr lang="en-US" dirty="0" smtClean="0"/>
             </a:br>
             <a:r>
-              <a:rPr lang="ru-RU" dirty="0" smtClean="0"/>
+              <a:rPr lang="en-US" dirty="0" err="1" smtClean="0"/>
+              <a:t>Tkinter</a:t>
+            </a:r>
+            <a:r>
+              <a:rPr lang="en-US" dirty="0" smtClean="0"/>
               <a:t/>
             </a:r>
             <a:br>
-              <a:rPr lang="ru-RU" dirty="0" smtClean="0"/>
+              <a:rPr lang="en-US" dirty="0" smtClean="0"/>
             </a:br>
+            <a:endParaRPr lang="ru-RU" dirty="0"/>
+          </a:p>
+        </p:txBody>
+      </p:sp>
+      <p:sp>
+        <p:nvSpPr>
+          <p:cNvPr id="3" name="Объект 2"/>
+          <p:cNvSpPr>
+            <a:spLocks noGrp="1"/>
+          </p:cNvSpPr>
+          <p:nvPr>
+            <p:ph idx="1"/>
+          </p:nvPr>
+        </p:nvSpPr>
+        <p:spPr>
+          <a:xfrm>
+            <a:off x="457200" y="1600200"/>
+            <a:ext cx="7620000" cy="1756792"/>
+          </a:xfrm>
+        </p:spPr>
+        <p:txBody>
+          <a:bodyPr>
+            <a:normAutofit lnSpcReduction="10000"/>
+          </a:bodyPr>
+          <a:lstStyle/>
+          <a:p>
+            <a:pPr marL="114300" indent="0">
+              <a:buNone/>
+            </a:pPr>
+            <a:r>
+              <a:rPr lang="en-US" b="1" dirty="0" err="1"/>
+              <a:t>Tkinter</a:t>
+            </a:r>
+            <a:r>
+              <a:rPr lang="en-US" dirty="0"/>
+              <a:t> – </a:t>
+            </a:r>
+            <a:r>
+              <a:rPr lang="ru-RU" dirty="0"/>
+              <a:t>это кроссплатформенная библиотека для разработки графического интерфейса на языке </a:t>
+            </a:r>
+            <a:r>
+              <a:rPr lang="en-US" dirty="0"/>
+              <a:t>Python (</a:t>
+            </a:r>
+            <a:r>
+              <a:rPr lang="ru-RU" b="1" dirty="0"/>
+              <a:t>начиная с </a:t>
+            </a:r>
+            <a:r>
+              <a:rPr lang="en-US" b="1" dirty="0"/>
+              <a:t>Python 3.0 </a:t>
+            </a:r>
+            <a:r>
+              <a:rPr lang="ru-RU" b="1" dirty="0"/>
+              <a:t>переименована в </a:t>
+            </a:r>
+            <a:r>
+              <a:rPr lang="en-US" b="1" dirty="0" err="1"/>
+              <a:t>tkinter</a:t>
+            </a:r>
+            <a:r>
+              <a:rPr lang="en-US" dirty="0"/>
+              <a:t>). </a:t>
+            </a:r>
+            <a:r>
+              <a:rPr lang="en-US" dirty="0" err="1"/>
+              <a:t>Tkinter</a:t>
+            </a:r>
+            <a:r>
+              <a:rPr lang="en-US" dirty="0"/>
+              <a:t> </a:t>
+            </a:r>
+            <a:r>
+              <a:rPr lang="ru-RU" dirty="0"/>
+              <a:t>расшифровывается как </a:t>
+            </a:r>
+            <a:r>
+              <a:rPr lang="en-US" dirty="0" err="1"/>
+              <a:t>Tk</a:t>
+            </a:r>
+            <a:r>
+              <a:rPr lang="en-US" dirty="0"/>
+              <a:t> </a:t>
+            </a:r>
+            <a:r>
+              <a:rPr lang="en-US" dirty="0" smtClean="0"/>
+              <a:t>interface.</a:t>
+            </a:r>
+            <a:r>
+              <a:rPr lang="en-US" dirty="0"/>
+              <a:t/>
+            </a:r>
+            <a:br>
+              <a:rPr lang="en-US" dirty="0"/>
+            </a:br>
+            <a:r>
+              <a:rPr lang="en-US" dirty="0" err="1"/>
+              <a:t>Tkinter</a:t>
+            </a:r>
+            <a:r>
+              <a:rPr lang="en-US" dirty="0"/>
+              <a:t> </a:t>
+            </a:r>
+            <a:r>
+              <a:rPr lang="ru-RU" dirty="0"/>
+              <a:t>входит в стандартный дистрибутив </a:t>
+            </a:r>
+            <a:r>
+              <a:rPr lang="en-US" dirty="0"/>
+              <a:t>Python.</a:t>
+            </a:r>
             <a:endParaRPr lang="ru-RU" dirty="0"/>
           </a:p>
         </p:txBody>
@@ -4205,7 +4391,7 @@
     </p:spTree>
     <p:extLst>
       <p:ext uri="{BB962C8B-B14F-4D97-AF65-F5344CB8AC3E}">
-        <p14:creationId xmlns:p14="http://schemas.microsoft.com/office/powerpoint/2010/main" val="3724149702"/>
+        <p14:creationId xmlns:p14="http://schemas.microsoft.com/office/powerpoint/2010/main" val="278374619"/>
       </p:ext>
     </p:extLst>
   </p:cSld>
@@ -4251,8 +4437,8 @@
         </p:nvSpPr>
         <p:spPr>
           <a:xfrm>
-            <a:off x="762000" y="2780928"/>
-            <a:ext cx="7620000" cy="1143000"/>
+            <a:off x="3018656" y="260648"/>
+            <a:ext cx="3106688" cy="1143000"/>
           </a:xfrm>
         </p:spPr>
         <p:txBody>
@@ -4260,21 +4446,289 @@
           <a:lstStyle/>
           <a:p>
             <a:r>
+              <a:rPr lang="ru-RU" dirty="0" err="1" smtClean="0"/>
+              <a:t>Фичи</a:t>
+            </a:r>
+            <a:r>
               <a:rPr lang="ru-RU" dirty="0" smtClean="0"/>
-              <a:t>Спасибо за внимание ! :</a:t>
-            </a:r>
-            <a:r>
-              <a:rPr lang="en-US" dirty="0" smtClean="0"/>
-              <a:t>D</a:t>
+              <a:t> кода </a:t>
             </a:r>
             <a:endParaRPr lang="ru-RU" dirty="0"/>
+          </a:p>
+        </p:txBody>
+      </p:sp>
+      <p:sp>
+        <p:nvSpPr>
+          <p:cNvPr id="4" name="TextBox 3"/>
+          <p:cNvSpPr txBox="1"/>
+          <p:nvPr/>
+        </p:nvSpPr>
+        <p:spPr>
+          <a:xfrm>
+            <a:off x="166494" y="1281856"/>
+            <a:ext cx="8136904" cy="4493538"/>
+          </a:xfrm>
+          <a:prstGeom prst="rect">
+            <a:avLst/>
+          </a:prstGeom>
+          <a:noFill/>
+        </p:spPr>
+        <p:txBody>
+          <a:bodyPr wrap="square" rtlCol="0">
+            <a:spAutoFit/>
+          </a:bodyPr>
+          <a:lstStyle/>
+          <a:p>
+            <a:pPr marL="342900" indent="-342900">
+              <a:buFont typeface="Arial" panose="020B0604020202020204" pitchFamily="34" charset="0"/>
+              <a:buChar char="•"/>
+            </a:pPr>
+            <a:r>
+              <a:rPr lang="ru-RU" sz="2400" dirty="0" smtClean="0"/>
+              <a:t>Не фиксированное количество мин.</a:t>
+            </a:r>
+          </a:p>
+          <a:p>
+            <a:pPr marL="342900" indent="-342900">
+              <a:buFont typeface="Arial" panose="020B0604020202020204" pitchFamily="34" charset="0"/>
+              <a:buChar char="•"/>
+            </a:pPr>
+            <a:r>
+              <a:rPr lang="ru-RU" sz="2400" dirty="0" smtClean="0"/>
+              <a:t>Изменение игрового поля.</a:t>
+            </a:r>
+          </a:p>
+          <a:p>
+            <a:pPr marL="342900" indent="-342900">
+              <a:buFont typeface="Arial" panose="020B0604020202020204" pitchFamily="34" charset="0"/>
+              <a:buChar char="•"/>
+            </a:pPr>
+            <a:r>
+              <a:rPr lang="ru-RU" sz="2400" dirty="0" smtClean="0"/>
+              <a:t>Проработанные флажки.</a:t>
+            </a:r>
+          </a:p>
+          <a:p>
+            <a:pPr marL="342900" indent="-342900">
+              <a:buFont typeface="Arial" panose="020B0604020202020204" pitchFamily="34" charset="0"/>
+              <a:buChar char="•"/>
+            </a:pPr>
+            <a:endParaRPr lang="ru-RU" sz="2400" dirty="0"/>
+          </a:p>
+          <a:p>
+            <a:pPr marL="342900" indent="-342900">
+              <a:buFont typeface="Arial" panose="020B0604020202020204" pitchFamily="34" charset="0"/>
+              <a:buChar char="•"/>
+            </a:pPr>
+            <a:endParaRPr lang="ru-RU" sz="2400" dirty="0" smtClean="0"/>
+          </a:p>
+          <a:p>
+            <a:pPr marL="342900" indent="-342900">
+              <a:buFont typeface="Arial" panose="020B0604020202020204" pitchFamily="34" charset="0"/>
+              <a:buChar char="•"/>
+            </a:pPr>
+            <a:endParaRPr lang="ru-RU" sz="2400" dirty="0" smtClean="0"/>
+          </a:p>
+          <a:p>
+            <a:pPr marL="342900" indent="-342900">
+              <a:buFont typeface="Arial" panose="020B0604020202020204" pitchFamily="34" charset="0"/>
+              <a:buChar char="•"/>
+            </a:pPr>
+            <a:r>
+              <a:rPr lang="ru-RU" sz="2400" dirty="0" smtClean="0"/>
+              <a:t>Иногда не правильно распределяются цифры.</a:t>
+            </a:r>
+          </a:p>
+          <a:p>
+            <a:pPr marL="342900" indent="-342900">
+              <a:buFont typeface="Arial" panose="020B0604020202020204" pitchFamily="34" charset="0"/>
+              <a:buChar char="•"/>
+            </a:pPr>
+            <a:r>
+              <a:rPr lang="ru-RU" sz="2400" dirty="0" smtClean="0"/>
+              <a:t>Отсутствие режимов сложности игры.</a:t>
+            </a:r>
+          </a:p>
+          <a:p>
+            <a:pPr marL="342900" indent="-342900">
+              <a:buFont typeface="Arial" panose="020B0604020202020204" pitchFamily="34" charset="0"/>
+              <a:buChar char="•"/>
+            </a:pPr>
+            <a:r>
+              <a:rPr lang="ru-RU" sz="2400" dirty="0" smtClean="0"/>
+              <a:t>Мины с первого хода. </a:t>
+            </a:r>
+          </a:p>
+          <a:p>
+            <a:pPr marL="342900" indent="-342900">
+              <a:buFont typeface="Arial" panose="020B0604020202020204" pitchFamily="34" charset="0"/>
+              <a:buChar char="•"/>
+            </a:pPr>
+            <a:endParaRPr lang="ru-RU" sz="2400" dirty="0" smtClean="0"/>
+          </a:p>
+          <a:p>
+            <a:pPr marL="342900" indent="-342900">
+              <a:buFont typeface="Arial" panose="020B0604020202020204" pitchFamily="34" charset="0"/>
+              <a:buChar char="•"/>
+            </a:pPr>
+            <a:endParaRPr lang="ru-RU" sz="2400" dirty="0" smtClean="0"/>
+          </a:p>
+          <a:p>
+            <a:endParaRPr lang="ru-RU" sz="2200" dirty="0"/>
           </a:p>
         </p:txBody>
       </p:sp>
     </p:spTree>
     <p:extLst>
       <p:ext uri="{BB962C8B-B14F-4D97-AF65-F5344CB8AC3E}">
-        <p14:creationId xmlns:p14="http://schemas.microsoft.com/office/powerpoint/2010/main" val="453743651"/>
+        <p14:creationId xmlns:p14="http://schemas.microsoft.com/office/powerpoint/2010/main" val="3737184725"/>
+      </p:ext>
+    </p:extLst>
+  </p:cSld>
+  <p:clrMapOvr>
+    <a:masterClrMapping/>
+  </p:clrMapOvr>
+  <p:timing>
+    <p:tnLst>
+      <p:par>
+        <p:cTn id="1" dur="indefinite" restart="never" nodeType="tmRoot"/>
+      </p:par>
+    </p:tnLst>
+  </p:timing>
+</p:sld>
+</file>
+
+<file path=ppt/slides/slide9.xml><?xml version="1.0" encoding="utf-8"?>
+<p:sld xmlns:a="http://schemas.openxmlformats.org/drawingml/2006/main" xmlns:r="http://schemas.openxmlformats.org/officeDocument/2006/relationships" xmlns:p="http://schemas.openxmlformats.org/presentationml/2006/main">
+  <p:cSld>
+    <p:spTree>
+      <p:nvGrpSpPr>
+        <p:cNvPr id="1" name=""/>
+        <p:cNvGrpSpPr/>
+        <p:nvPr/>
+      </p:nvGrpSpPr>
+      <p:grpSpPr>
+        <a:xfrm>
+          <a:off x="0" y="0"/>
+          <a:ext cx="0" cy="0"/>
+          <a:chOff x="0" y="0"/>
+          <a:chExt cx="0" cy="0"/>
+        </a:xfrm>
+      </p:grpSpPr>
+      <p:sp>
+        <p:nvSpPr>
+          <p:cNvPr id="2" name="Заголовок 1"/>
+          <p:cNvSpPr>
+            <a:spLocks noGrp="1"/>
+          </p:cNvSpPr>
+          <p:nvPr>
+            <p:ph type="title"/>
+          </p:nvPr>
+        </p:nvSpPr>
+        <p:spPr>
+          <a:xfrm>
+            <a:off x="3162672" y="57828"/>
+            <a:ext cx="2818656" cy="1143000"/>
+          </a:xfrm>
+        </p:spPr>
+        <p:txBody>
+          <a:bodyPr/>
+          <a:lstStyle/>
+          <a:p>
+            <a:r>
+              <a:rPr lang="ru-RU" dirty="0" smtClean="0"/>
+              <a:t>Будущие </a:t>
+            </a:r>
+            <a:endParaRPr lang="ru-RU" dirty="0"/>
+          </a:p>
+        </p:txBody>
+      </p:sp>
+      <p:pic>
+        <p:nvPicPr>
+          <p:cNvPr id="1031" name="Picture 7" descr="C:\Users\DOMAV\OneDrive\Desktop\Снимок.JPG"/>
+          <p:cNvPicPr>
+            <a:picLocks noChangeAspect="1" noChangeArrowheads="1"/>
+          </p:cNvPicPr>
+          <p:nvPr/>
+        </p:nvPicPr>
+        <p:blipFill>
+          <a:blip r:embed="rId2">
+            <a:extLst>
+              <a:ext uri="{28A0092B-C50C-407E-A947-70E740481C1C}">
+                <a14:useLocalDpi xmlns:a14="http://schemas.microsoft.com/office/drawing/2010/main" val="0"/>
+              </a:ext>
+            </a:extLst>
+          </a:blip>
+          <a:srcRect/>
+          <a:stretch>
+            <a:fillRect/>
+          </a:stretch>
+        </p:blipFill>
+        <p:spPr bwMode="auto">
+          <a:xfrm>
+            <a:off x="0" y="1052736"/>
+            <a:ext cx="5148064" cy="5647729"/>
+          </a:xfrm>
+          <a:prstGeom prst="rect">
+            <a:avLst/>
+          </a:prstGeom>
+          <a:noFill/>
+          <a:extLst>
+            <a:ext uri="{909E8E84-426E-40DD-AFC4-6F175D3DCCD1}">
+              <a14:hiddenFill xmlns:a14="http://schemas.microsoft.com/office/drawing/2010/main">
+                <a:solidFill>
+                  <a:srgbClr val="FFFFFF"/>
+                </a:solidFill>
+              </a14:hiddenFill>
+            </a:ext>
+          </a:extLst>
+        </p:spPr>
+      </p:pic>
+      <p:pic>
+        <p:nvPicPr>
+          <p:cNvPr id="1032" name="Picture 8" descr="C:\Users\DOMAV\OneDrive\Desktop\Снимок.JPG"/>
+          <p:cNvPicPr>
+            <a:picLocks noChangeAspect="1" noChangeArrowheads="1"/>
+          </p:cNvPicPr>
+          <p:nvPr/>
+        </p:nvPicPr>
+        <p:blipFill>
+          <a:blip r:embed="rId3">
+            <a:extLst>
+              <a:ext uri="{28A0092B-C50C-407E-A947-70E740481C1C}">
+                <a14:useLocalDpi xmlns:a14="http://schemas.microsoft.com/office/drawing/2010/main" val="0"/>
+              </a:ext>
+            </a:extLst>
+          </a:blip>
+          <a:srcRect/>
+          <a:stretch>
+            <a:fillRect/>
+          </a:stretch>
+        </p:blipFill>
+        <p:spPr bwMode="auto">
+          <a:xfrm>
+            <a:off x="5220072" y="1916832"/>
+            <a:ext cx="2575406" cy="3406928"/>
+          </a:xfrm>
+          <a:prstGeom prst="rect">
+            <a:avLst/>
+          </a:prstGeom>
+          <a:noFill/>
+          <a:extLst>
+            <a:ext uri="{909E8E84-426E-40DD-AFC4-6F175D3DCCD1}">
+              <a14:hiddenFill xmlns:a14="http://schemas.microsoft.com/office/drawing/2010/main">
+                <a:solidFill>
+                  <a:srgbClr val="FFFFFF"/>
+                </a:solidFill>
+              </a14:hiddenFill>
+            </a:ext>
+          </a:extLst>
+        </p:spPr>
+      </p:pic>
+    </p:spTree>
+    <p:extLst>
+      <p:ext uri="{BB962C8B-B14F-4D97-AF65-F5344CB8AC3E}">
+        <p14:creationId xmlns:p14="http://schemas.microsoft.com/office/powerpoint/2010/main" val="1088258884"/>
       </p:ext>
     </p:extLst>
   </p:cSld>

--- a/Presentation.pptx
+++ b/Presentation.pptx
@@ -13,10 +13,14 @@
     <p:sldId id="263" r:id="rId7"/>
     <p:sldId id="266" r:id="rId8"/>
     <p:sldId id="264" r:id="rId9"/>
-    <p:sldId id="265" r:id="rId10"/>
-    <p:sldId id="262" r:id="rId11"/>
+    <p:sldId id="267" r:id="rId10"/>
+    <p:sldId id="268" r:id="rId11"/>
+    <p:sldId id="270" r:id="rId12"/>
+    <p:sldId id="269" r:id="rId13"/>
+    <p:sldId id="265" r:id="rId14"/>
+    <p:sldId id="262" r:id="rId15"/>
   </p:sldIdLst>
-  <p:sldSz cx="9144000" cy="6858000" type="screen4x3"/>
+  <p:sldSz cx="9144000" cy="5143500" type="screen16x9"/>
   <p:notesSz cx="6858000" cy="9144000"/>
   <p:defaultTextStyle>
     <a:defPPr>
@@ -145,8 +149,8 @@
         </p:nvSpPr>
         <p:spPr>
           <a:xfrm>
-            <a:off x="685800" y="1905000"/>
-            <a:ext cx="7543800" cy="2593975"/>
+            <a:off x="685800" y="1428751"/>
+            <a:ext cx="7543800" cy="1945481"/>
           </a:xfrm>
         </p:spPr>
         <p:txBody>
@@ -184,8 +188,8 @@
         </p:nvSpPr>
         <p:spPr>
           <a:xfrm>
-            <a:off x="685800" y="4572000"/>
-            <a:ext cx="6461760" cy="1066800"/>
+            <a:off x="685800" y="3429000"/>
+            <a:ext cx="6461760" cy="800100"/>
           </a:xfrm>
         </p:spPr>
         <p:txBody>
@@ -310,7 +314,7 @@
           <a:p>
             <a:fld id="{B4C71EC6-210F-42DE-9C53-41977AD35B3D}" type="datetimeFigureOut">
               <a:rPr lang="ru-RU" smtClean="0"/>
-              <a:t>28.02.2020</a:t>
+              <a:t>10.03.2020</a:t>
             </a:fld>
             <a:endParaRPr lang="ru-RU"/>
           </a:p>
@@ -475,7 +479,7 @@
           <a:p>
             <a:fld id="{B4C71EC6-210F-42DE-9C53-41977AD35B3D}" type="datetimeFigureOut">
               <a:rPr lang="ru-RU" smtClean="0"/>
-              <a:t>28.02.2020</a:t>
+              <a:t>10.03.2020</a:t>
             </a:fld>
             <a:endParaRPr lang="ru-RU"/>
           </a:p>
@@ -560,8 +564,8 @@
         </p:nvSpPr>
         <p:spPr>
           <a:xfrm>
-            <a:off x="6629400" y="274638"/>
-            <a:ext cx="1752600" cy="5851525"/>
+            <a:off x="6629400" y="205979"/>
+            <a:ext cx="1752600" cy="4388644"/>
           </a:xfrm>
         </p:spPr>
         <p:txBody>
@@ -588,8 +592,8 @@
         </p:nvSpPr>
         <p:spPr>
           <a:xfrm>
-            <a:off x="457200" y="274638"/>
-            <a:ext cx="6019800" cy="5851525"/>
+            <a:off x="457200" y="205979"/>
+            <a:ext cx="6019800" cy="4388644"/>
           </a:xfrm>
         </p:spPr>
         <p:txBody>
@@ -650,7 +654,7 @@
           <a:p>
             <a:fld id="{B4C71EC6-210F-42DE-9C53-41977AD35B3D}" type="datetimeFigureOut">
               <a:rPr lang="ru-RU" smtClean="0"/>
-              <a:t>28.02.2020</a:t>
+              <a:t>10.03.2020</a:t>
             </a:fld>
             <a:endParaRPr lang="ru-RU"/>
           </a:p>
@@ -815,7 +819,7 @@
           <a:p>
             <a:fld id="{B4C71EC6-210F-42DE-9C53-41977AD35B3D}" type="datetimeFigureOut">
               <a:rPr lang="ru-RU" smtClean="0"/>
-              <a:t>28.02.2020</a:t>
+              <a:t>10.03.2020</a:t>
             </a:fld>
             <a:endParaRPr lang="ru-RU"/>
           </a:p>
@@ -900,8 +904,8 @@
         </p:nvSpPr>
         <p:spPr>
           <a:xfrm>
-            <a:off x="722313" y="5486400"/>
-            <a:ext cx="7659687" cy="1168400"/>
+            <a:off x="722314" y="4114800"/>
+            <a:ext cx="7659687" cy="876300"/>
           </a:xfrm>
         </p:spPr>
         <p:txBody>
@@ -932,8 +936,8 @@
         </p:nvSpPr>
         <p:spPr>
           <a:xfrm>
-            <a:off x="722313" y="3852863"/>
-            <a:ext cx="6135687" cy="1633538"/>
+            <a:off x="722314" y="2889647"/>
+            <a:ext cx="6135687" cy="1225154"/>
           </a:xfrm>
         </p:spPr>
         <p:txBody>
@@ -1056,7 +1060,7 @@
           <a:p>
             <a:fld id="{B4C71EC6-210F-42DE-9C53-41977AD35B3D}" type="datetimeFigureOut">
               <a:rPr lang="ru-RU" smtClean="0"/>
-              <a:t>28.02.2020</a:t>
+              <a:t>10.03.2020</a:t>
             </a:fld>
             <a:endParaRPr lang="ru-RU"/>
           </a:p>
@@ -1164,8 +1168,8 @@
         </p:nvSpPr>
         <p:spPr>
           <a:xfrm>
-            <a:off x="457200" y="1536192"/>
-            <a:ext cx="3657600" cy="4590288"/>
+            <a:off x="457200" y="1152144"/>
+            <a:ext cx="3657600" cy="3442716"/>
           </a:xfrm>
         </p:spPr>
         <p:txBody>
@@ -1249,8 +1253,8 @@
         </p:nvSpPr>
         <p:spPr>
           <a:xfrm>
-            <a:off x="4419600" y="1536192"/>
-            <a:ext cx="3657600" cy="4590288"/>
+            <a:off x="4419600" y="1152144"/>
+            <a:ext cx="3657600" cy="3442716"/>
           </a:xfrm>
         </p:spPr>
         <p:txBody>
@@ -1339,7 +1343,7 @@
           <a:p>
             <a:fld id="{B4C71EC6-210F-42DE-9C53-41977AD35B3D}" type="datetimeFigureOut">
               <a:rPr lang="ru-RU" smtClean="0"/>
-              <a:t>28.02.2020</a:t>
+              <a:t>10.03.2020</a:t>
             </a:fld>
             <a:endParaRPr lang="ru-RU"/>
           </a:p>
@@ -1451,8 +1455,8 @@
         </p:nvSpPr>
         <p:spPr>
           <a:xfrm>
-            <a:off x="457200" y="1535113"/>
-            <a:ext cx="3657600" cy="639762"/>
+            <a:off x="457200" y="1151335"/>
+            <a:ext cx="3657600" cy="479822"/>
           </a:xfrm>
         </p:spPr>
         <p:txBody>
@@ -1522,8 +1526,8 @@
         </p:nvSpPr>
         <p:spPr>
           <a:xfrm>
-            <a:off x="457200" y="2174875"/>
-            <a:ext cx="3657600" cy="3951288"/>
+            <a:off x="457200" y="1631156"/>
+            <a:ext cx="3657600" cy="2963466"/>
           </a:xfrm>
         </p:spPr>
         <p:txBody>
@@ -1607,8 +1611,8 @@
         </p:nvSpPr>
         <p:spPr>
           <a:xfrm>
-            <a:off x="4419600" y="1535113"/>
-            <a:ext cx="3657600" cy="639762"/>
+            <a:off x="4419600" y="1151335"/>
+            <a:ext cx="3657600" cy="479822"/>
           </a:xfrm>
         </p:spPr>
         <p:txBody>
@@ -1678,8 +1682,8 @@
         </p:nvSpPr>
         <p:spPr>
           <a:xfrm>
-            <a:off x="4419600" y="2174875"/>
-            <a:ext cx="3657600" cy="3951288"/>
+            <a:off x="4419600" y="1631156"/>
+            <a:ext cx="3657600" cy="2963466"/>
           </a:xfrm>
         </p:spPr>
         <p:txBody>
@@ -1768,7 +1772,7 @@
           <a:p>
             <a:fld id="{B4C71EC6-210F-42DE-9C53-41977AD35B3D}" type="datetimeFigureOut">
               <a:rPr lang="ru-RU" smtClean="0"/>
-              <a:t>28.02.2020</a:t>
+              <a:t>10.03.2020</a:t>
             </a:fld>
             <a:endParaRPr lang="ru-RU"/>
           </a:p>
@@ -1881,7 +1885,7 @@
           <a:p>
             <a:fld id="{B4C71EC6-210F-42DE-9C53-41977AD35B3D}" type="datetimeFigureOut">
               <a:rPr lang="ru-RU" smtClean="0"/>
-              <a:t>28.02.2020</a:t>
+              <a:t>10.03.2020</a:t>
             </a:fld>
             <a:endParaRPr lang="ru-RU"/>
           </a:p>
@@ -1971,7 +1975,7 @@
           <a:p>
             <a:fld id="{B4C71EC6-210F-42DE-9C53-41977AD35B3D}" type="datetimeFigureOut">
               <a:rPr lang="ru-RU" smtClean="0"/>
-              <a:t>28.02.2020</a:t>
+              <a:t>10.03.2020</a:t>
             </a:fld>
             <a:endParaRPr lang="ru-RU"/>
           </a:p>
@@ -2056,8 +2060,8 @@
         </p:nvSpPr>
         <p:spPr>
           <a:xfrm>
-            <a:off x="304801" y="5495544"/>
-            <a:ext cx="7772400" cy="594360"/>
+            <a:off x="304801" y="4121658"/>
+            <a:ext cx="7772400" cy="445770"/>
           </a:xfrm>
         </p:spPr>
         <p:txBody>
@@ -2088,8 +2092,8 @@
         </p:nvSpPr>
         <p:spPr>
           <a:xfrm>
-            <a:off x="304799" y="6096000"/>
-            <a:ext cx="7772401" cy="609600"/>
+            <a:off x="304800" y="4572000"/>
+            <a:ext cx="7772401" cy="457200"/>
           </a:xfrm>
         </p:spPr>
         <p:txBody>
@@ -2160,7 +2164,7 @@
           <a:p>
             <a:fld id="{B4C71EC6-210F-42DE-9C53-41977AD35B3D}" type="datetimeFigureOut">
               <a:rPr lang="ru-RU" smtClean="0"/>
-              <a:t>28.02.2020</a:t>
+              <a:t>10.03.2020</a:t>
             </a:fld>
             <a:endParaRPr lang="ru-RU"/>
           </a:p>
@@ -2220,8 +2224,8 @@
         </p:nvSpPr>
         <p:spPr>
           <a:xfrm>
-            <a:off x="304800" y="381000"/>
-            <a:ext cx="7772400" cy="4942840"/>
+            <a:off x="304800" y="285750"/>
+            <a:ext cx="7772400" cy="3707130"/>
           </a:xfrm>
         </p:spPr>
         <p:txBody>
@@ -2302,8 +2306,8 @@
         </p:nvSpPr>
         <p:spPr>
           <a:xfrm>
-            <a:off x="301752" y="5495278"/>
-            <a:ext cx="7772400" cy="594626"/>
+            <a:off x="301752" y="4121458"/>
+            <a:ext cx="7772400" cy="445970"/>
           </a:xfrm>
         </p:spPr>
         <p:txBody>
@@ -2342,7 +2346,7 @@
         <p:spPr>
           <a:xfrm>
             <a:off x="0" y="0"/>
-            <a:ext cx="8458200" cy="5486400"/>
+            <a:ext cx="8458200" cy="4114800"/>
           </a:xfrm>
         </p:spPr>
         <p:txBody>
@@ -2406,8 +2410,8 @@
         </p:nvSpPr>
         <p:spPr>
           <a:xfrm>
-            <a:off x="301752" y="6096000"/>
-            <a:ext cx="7772400" cy="612648"/>
+            <a:off x="301752" y="4572000"/>
+            <a:ext cx="7772400" cy="459486"/>
           </a:xfrm>
         </p:spPr>
         <p:txBody>
@@ -2478,7 +2482,7 @@
           <a:p>
             <a:fld id="{B4C71EC6-210F-42DE-9C53-41977AD35B3D}" type="datetimeFigureOut">
               <a:rPr lang="ru-RU" smtClean="0"/>
-              <a:t>28.02.2020</a:t>
+              <a:t>10.03.2020</a:t>
             </a:fld>
             <a:endParaRPr lang="ru-RU"/>
           </a:p>
@@ -2568,8 +2572,8 @@
         </p:nvSpPr>
         <p:spPr>
           <a:xfrm>
-            <a:off x="457200" y="274638"/>
-            <a:ext cx="7620000" cy="1143000"/>
+            <a:off x="457200" y="205979"/>
+            <a:ext cx="7620000" cy="857250"/>
           </a:xfrm>
           <a:prstGeom prst="rect">
             <a:avLst/>
@@ -2601,8 +2605,8 @@
         </p:nvSpPr>
         <p:spPr>
           <a:xfrm>
-            <a:off x="457200" y="1600200"/>
-            <a:ext cx="7620000" cy="4800600"/>
+            <a:off x="457200" y="1200150"/>
+            <a:ext cx="7620000" cy="3600450"/>
           </a:xfrm>
           <a:prstGeom prst="rect">
             <a:avLst/>
@@ -2660,7 +2664,7 @@
         <p:spPr>
           <a:xfrm>
             <a:off x="8458200" y="0"/>
-            <a:ext cx="685800" cy="6858000"/>
+            <a:ext cx="685800" cy="5143500"/>
           </a:xfrm>
           <a:prstGeom prst="rect">
             <a:avLst/>
@@ -2705,8 +2709,8 @@
         </p:nvSpPr>
         <p:spPr>
           <a:xfrm>
-            <a:off x="8458200" y="5486400"/>
-            <a:ext cx="685800" cy="685800"/>
+            <a:off x="8458200" y="4114800"/>
+            <a:ext cx="685800" cy="514350"/>
           </a:xfrm>
           <a:prstGeom prst="rect">
             <a:avLst/>
@@ -2755,8 +2759,8 @@
         </p:nvSpPr>
         <p:spPr>
           <a:xfrm>
-            <a:off x="8531788" y="5648960"/>
-            <a:ext cx="548640" cy="396240"/>
+            <a:off x="8531788" y="4236720"/>
+            <a:ext cx="548640" cy="297180"/>
           </a:xfrm>
           <a:prstGeom prst="bracketPair">
             <a:avLst>
@@ -2801,8 +2805,8 @@
         </p:nvSpPr>
         <p:spPr>
           <a:xfrm rot="16200000">
-            <a:off x="7586910" y="4048760"/>
-            <a:ext cx="2367281" cy="365760"/>
+            <a:off x="7882821" y="2990850"/>
+            <a:ext cx="1775461" cy="365760"/>
           </a:xfrm>
           <a:prstGeom prst="rect">
             <a:avLst/>
@@ -2836,8 +2840,8 @@
         </p:nvSpPr>
         <p:spPr>
           <a:xfrm rot="16200000">
-            <a:off x="7551351" y="1645920"/>
-            <a:ext cx="2438399" cy="365760"/>
+            <a:off x="7856152" y="1188720"/>
+            <a:ext cx="1828799" cy="365760"/>
           </a:xfrm>
           <a:prstGeom prst="rect">
             <a:avLst/>
@@ -2857,7 +2861,7 @@
           <a:p>
             <a:fld id="{B4C71EC6-210F-42DE-9C53-41977AD35B3D}" type="datetimeFigureOut">
               <a:rPr lang="ru-RU" smtClean="0"/>
-              <a:t>28.02.2020</a:t>
+              <a:t>10.03.2020</a:t>
             </a:fld>
             <a:endParaRPr lang="ru-RU"/>
           </a:p>
@@ -3192,8 +3196,8 @@
         </p:nvSpPr>
         <p:spPr>
           <a:xfrm>
-            <a:off x="0" y="3284984"/>
-            <a:ext cx="8443392" cy="1152128"/>
+            <a:off x="0" y="2463738"/>
+            <a:ext cx="8443392" cy="864096"/>
           </a:xfrm>
         </p:spPr>
         <p:txBody>
@@ -3202,11 +3206,19 @@
           <a:p>
             <a:r>
               <a:rPr lang="ru-RU" dirty="0" smtClean="0"/>
-              <a:t>Разработка игры на </a:t>
+              <a:t>Разработка игры </a:t>
             </a:r>
             <a:r>
               <a:rPr lang="en-US" dirty="0" smtClean="0"/>
-              <a:t>Python</a:t>
+              <a:t>“</a:t>
+            </a:r>
+            <a:r>
+              <a:rPr lang="ru-RU" dirty="0" smtClean="0"/>
+              <a:t>Сапер</a:t>
+            </a:r>
+            <a:r>
+              <a:rPr lang="en-US" dirty="0" smtClean="0"/>
+              <a:t>”</a:t>
             </a:r>
             <a:endParaRPr lang="ru-RU" dirty="0"/>
           </a:p>
@@ -3249,6 +3261,240 @@
           <a:chExt cx="0" cy="0"/>
         </a:xfrm>
       </p:grpSpPr>
+      <p:pic>
+        <p:nvPicPr>
+          <p:cNvPr id="3074" name="Picture 2" descr="C:\Users\DOMAV\OneDrive\Desktop\лклик.JPG"/>
+          <p:cNvPicPr>
+            <a:picLocks noChangeAspect="1" noChangeArrowheads="1"/>
+          </p:cNvPicPr>
+          <p:nvPr/>
+        </p:nvPicPr>
+        <p:blipFill>
+          <a:blip r:embed="rId2">
+            <a:extLst>
+              <a:ext uri="{28A0092B-C50C-407E-A947-70E740481C1C}">
+                <a14:useLocalDpi xmlns:a14="http://schemas.microsoft.com/office/drawing/2010/main" val="0"/>
+              </a:ext>
+            </a:extLst>
+          </a:blip>
+          <a:srcRect/>
+          <a:stretch>
+            <a:fillRect/>
+          </a:stretch>
+        </p:blipFill>
+        <p:spPr bwMode="auto">
+          <a:xfrm>
+            <a:off x="323528" y="3652"/>
+            <a:ext cx="7821575" cy="5143500"/>
+          </a:xfrm>
+          <a:prstGeom prst="rect">
+            <a:avLst/>
+          </a:prstGeom>
+          <a:noFill/>
+          <a:extLst>
+            <a:ext uri="{909E8E84-426E-40DD-AFC4-6F175D3DCCD1}">
+              <a14:hiddenFill xmlns:a14="http://schemas.microsoft.com/office/drawing/2010/main">
+                <a:solidFill>
+                  <a:srgbClr val="FFFFFF"/>
+                </a:solidFill>
+              </a14:hiddenFill>
+            </a:ext>
+          </a:extLst>
+        </p:spPr>
+      </p:pic>
+    </p:spTree>
+    <p:extLst>
+      <p:ext uri="{BB962C8B-B14F-4D97-AF65-F5344CB8AC3E}">
+        <p14:creationId xmlns:p14="http://schemas.microsoft.com/office/powerpoint/2010/main" val="1992468626"/>
+      </p:ext>
+    </p:extLst>
+  </p:cSld>
+  <p:clrMapOvr>
+    <a:masterClrMapping/>
+  </p:clrMapOvr>
+  <p:timing>
+    <p:tnLst>
+      <p:par>
+        <p:cTn id="1" dur="indefinite" restart="never" nodeType="tmRoot"/>
+      </p:par>
+    </p:tnLst>
+  </p:timing>
+</p:sld>
+</file>
+
+<file path=ppt/slides/slide11.xml><?xml version="1.0" encoding="utf-8"?>
+<p:sld xmlns:a="http://schemas.openxmlformats.org/drawingml/2006/main" xmlns:r="http://schemas.openxmlformats.org/officeDocument/2006/relationships" xmlns:p="http://schemas.openxmlformats.org/presentationml/2006/main">
+  <p:cSld>
+    <p:spTree>
+      <p:nvGrpSpPr>
+        <p:cNvPr id="1" name=""/>
+        <p:cNvGrpSpPr/>
+        <p:nvPr/>
+      </p:nvGrpSpPr>
+      <p:grpSpPr>
+        <a:xfrm>
+          <a:off x="0" y="0"/>
+          <a:ext cx="0" cy="0"/>
+          <a:chOff x="0" y="0"/>
+          <a:chExt cx="0" cy="0"/>
+        </a:xfrm>
+      </p:grpSpPr>
+      <p:pic>
+        <p:nvPicPr>
+          <p:cNvPr id="4098" name="Picture 2" descr="C:\Users\DOMAV\OneDrive\Desktop\рклик.JPG"/>
+          <p:cNvPicPr>
+            <a:picLocks noChangeAspect="1" noChangeArrowheads="1"/>
+          </p:cNvPicPr>
+          <p:nvPr/>
+        </p:nvPicPr>
+        <p:blipFill>
+          <a:blip r:embed="rId2">
+            <a:extLst>
+              <a:ext uri="{28A0092B-C50C-407E-A947-70E740481C1C}">
+                <a14:useLocalDpi xmlns:a14="http://schemas.microsoft.com/office/drawing/2010/main" val="0"/>
+              </a:ext>
+            </a:extLst>
+          </a:blip>
+          <a:srcRect/>
+          <a:stretch>
+            <a:fillRect/>
+          </a:stretch>
+        </p:blipFill>
+        <p:spPr bwMode="auto">
+          <a:xfrm>
+            <a:off x="611560" y="0"/>
+            <a:ext cx="7387684" cy="5143500"/>
+          </a:xfrm>
+          <a:prstGeom prst="rect">
+            <a:avLst/>
+          </a:prstGeom>
+          <a:noFill/>
+          <a:extLst>
+            <a:ext uri="{909E8E84-426E-40DD-AFC4-6F175D3DCCD1}">
+              <a14:hiddenFill xmlns:a14="http://schemas.microsoft.com/office/drawing/2010/main">
+                <a:solidFill>
+                  <a:srgbClr val="FFFFFF"/>
+                </a:solidFill>
+              </a14:hiddenFill>
+            </a:ext>
+          </a:extLst>
+        </p:spPr>
+      </p:pic>
+    </p:spTree>
+    <p:extLst>
+      <p:ext uri="{BB962C8B-B14F-4D97-AF65-F5344CB8AC3E}">
+        <p14:creationId xmlns:p14="http://schemas.microsoft.com/office/powerpoint/2010/main" val="409935646"/>
+      </p:ext>
+    </p:extLst>
+  </p:cSld>
+  <p:clrMapOvr>
+    <a:masterClrMapping/>
+  </p:clrMapOvr>
+  <p:timing>
+    <p:tnLst>
+      <p:par>
+        <p:cTn id="1" dur="indefinite" restart="never" nodeType="tmRoot"/>
+      </p:par>
+    </p:tnLst>
+  </p:timing>
+</p:sld>
+</file>
+
+<file path=ppt/slides/slide12.xml><?xml version="1.0" encoding="utf-8"?>
+<p:sld xmlns:a="http://schemas.openxmlformats.org/drawingml/2006/main" xmlns:r="http://schemas.openxmlformats.org/officeDocument/2006/relationships" xmlns:p="http://schemas.openxmlformats.org/presentationml/2006/main">
+  <p:cSld>
+    <p:spTree>
+      <p:nvGrpSpPr>
+        <p:cNvPr id="1" name=""/>
+        <p:cNvGrpSpPr/>
+        <p:nvPr/>
+      </p:nvGrpSpPr>
+      <p:grpSpPr>
+        <a:xfrm>
+          <a:off x="0" y="0"/>
+          <a:ext cx="0" cy="0"/>
+          <a:chOff x="0" y="0"/>
+          <a:chExt cx="0" cy="0"/>
+        </a:xfrm>
+      </p:grpSpPr>
+      <p:pic>
+        <p:nvPicPr>
+          <p:cNvPr id="5122" name="Picture 2" descr="C:\Users\DOMAV\OneDrive\Desktop\финал.JPG"/>
+          <p:cNvPicPr>
+            <a:picLocks noChangeAspect="1" noChangeArrowheads="1"/>
+          </p:cNvPicPr>
+          <p:nvPr/>
+        </p:nvPicPr>
+        <p:blipFill>
+          <a:blip r:embed="rId2">
+            <a:extLst>
+              <a:ext uri="{28A0092B-C50C-407E-A947-70E740481C1C}">
+                <a14:useLocalDpi xmlns:a14="http://schemas.microsoft.com/office/drawing/2010/main" val="0"/>
+              </a:ext>
+            </a:extLst>
+          </a:blip>
+          <a:srcRect/>
+          <a:stretch>
+            <a:fillRect/>
+          </a:stretch>
+        </p:blipFill>
+        <p:spPr bwMode="auto">
+          <a:xfrm>
+            <a:off x="683568" y="0"/>
+            <a:ext cx="7322249" cy="5143500"/>
+          </a:xfrm>
+          <a:prstGeom prst="rect">
+            <a:avLst/>
+          </a:prstGeom>
+          <a:noFill/>
+          <a:extLst>
+            <a:ext uri="{909E8E84-426E-40DD-AFC4-6F175D3DCCD1}">
+              <a14:hiddenFill xmlns:a14="http://schemas.microsoft.com/office/drawing/2010/main">
+                <a:solidFill>
+                  <a:srgbClr val="FFFFFF"/>
+                </a:solidFill>
+              </a14:hiddenFill>
+            </a:ext>
+          </a:extLst>
+        </p:spPr>
+      </p:pic>
+    </p:spTree>
+    <p:extLst>
+      <p:ext uri="{BB962C8B-B14F-4D97-AF65-F5344CB8AC3E}">
+        <p14:creationId xmlns:p14="http://schemas.microsoft.com/office/powerpoint/2010/main" val="1184867280"/>
+      </p:ext>
+    </p:extLst>
+  </p:cSld>
+  <p:clrMapOvr>
+    <a:masterClrMapping/>
+  </p:clrMapOvr>
+  <p:timing>
+    <p:tnLst>
+      <p:par>
+        <p:cTn id="1" dur="indefinite" restart="never" nodeType="tmRoot"/>
+      </p:par>
+    </p:tnLst>
+  </p:timing>
+</p:sld>
+</file>
+
+<file path=ppt/slides/slide13.xml><?xml version="1.0" encoding="utf-8"?>
+<p:sld xmlns:a="http://schemas.openxmlformats.org/drawingml/2006/main" xmlns:r="http://schemas.openxmlformats.org/officeDocument/2006/relationships" xmlns:p="http://schemas.openxmlformats.org/presentationml/2006/main">
+  <p:cSld>
+    <p:spTree>
+      <p:nvGrpSpPr>
+        <p:cNvPr id="1" name=""/>
+        <p:cNvGrpSpPr/>
+        <p:nvPr/>
+      </p:nvGrpSpPr>
+      <p:grpSpPr>
+        <a:xfrm>
+          <a:off x="0" y="0"/>
+          <a:ext cx="0" cy="0"/>
+          <a:chOff x="0" y="0"/>
+          <a:chExt cx="0" cy="0"/>
+        </a:xfrm>
+      </p:grpSpPr>
       <p:sp>
         <p:nvSpPr>
           <p:cNvPr id="2" name="Заголовок 1"/>
@@ -3261,8 +3507,114 @@
         </p:nvSpPr>
         <p:spPr>
           <a:xfrm>
-            <a:off x="762000" y="2780928"/>
-            <a:ext cx="7620000" cy="1143000"/>
+            <a:off x="2627784" y="51470"/>
+            <a:ext cx="3569568" cy="857250"/>
+          </a:xfrm>
+        </p:spPr>
+        <p:txBody>
+          <a:bodyPr/>
+          <a:lstStyle/>
+          <a:p>
+            <a:r>
+              <a:rPr lang="ru-RU" dirty="0" smtClean="0"/>
+              <a:t>Заключение </a:t>
+            </a:r>
+            <a:endParaRPr lang="ru-RU" dirty="0"/>
+          </a:p>
+        </p:txBody>
+      </p:sp>
+      <p:pic>
+        <p:nvPicPr>
+          <p:cNvPr id="1032" name="Picture 8" descr="C:\Users\DOMAV\OneDrive\Desktop\Снимок.JPG"/>
+          <p:cNvPicPr>
+            <a:picLocks noChangeAspect="1" noChangeArrowheads="1"/>
+          </p:cNvPicPr>
+          <p:nvPr/>
+        </p:nvPicPr>
+        <p:blipFill>
+          <a:blip r:embed="rId2">
+            <a:extLst>
+              <a:ext uri="{28A0092B-C50C-407E-A947-70E740481C1C}">
+                <a14:useLocalDpi xmlns:a14="http://schemas.microsoft.com/office/drawing/2010/main" val="0"/>
+              </a:ext>
+            </a:extLst>
+          </a:blip>
+          <a:srcRect/>
+          <a:stretch>
+            <a:fillRect/>
+          </a:stretch>
+        </p:blipFill>
+        <p:spPr bwMode="auto">
+          <a:xfrm>
+            <a:off x="2771800" y="1209435"/>
+            <a:ext cx="3151470" cy="3126739"/>
+          </a:xfrm>
+          <a:prstGeom prst="rect">
+            <a:avLst/>
+          </a:prstGeom>
+          <a:noFill/>
+          <a:extLst>
+            <a:ext uri="{909E8E84-426E-40DD-AFC4-6F175D3DCCD1}">
+              <a14:hiddenFill xmlns:a14="http://schemas.microsoft.com/office/drawing/2010/main">
+                <a:solidFill>
+                  <a:srgbClr val="FFFFFF"/>
+                </a:solidFill>
+              </a14:hiddenFill>
+            </a:ext>
+          </a:extLst>
+        </p:spPr>
+      </p:pic>
+    </p:spTree>
+    <p:extLst>
+      <p:ext uri="{BB962C8B-B14F-4D97-AF65-F5344CB8AC3E}">
+        <p14:creationId xmlns:p14="http://schemas.microsoft.com/office/powerpoint/2010/main" val="1088258884"/>
+      </p:ext>
+    </p:extLst>
+  </p:cSld>
+  <p:clrMapOvr>
+    <a:masterClrMapping/>
+  </p:clrMapOvr>
+  <p:timing>
+    <p:tnLst>
+      <p:par>
+        <p:cTn id="1" dur="indefinite" restart="never" nodeType="tmRoot"/>
+      </p:par>
+    </p:tnLst>
+  </p:timing>
+</p:sld>
+</file>
+
+<file path=ppt/slides/slide14.xml><?xml version="1.0" encoding="utf-8"?>
+<p:sld xmlns:a="http://schemas.openxmlformats.org/drawingml/2006/main" xmlns:r="http://schemas.openxmlformats.org/officeDocument/2006/relationships" xmlns:p="http://schemas.openxmlformats.org/presentationml/2006/main">
+  <p:cSld>
+    <p:spTree>
+      <p:nvGrpSpPr>
+        <p:cNvPr id="1" name=""/>
+        <p:cNvGrpSpPr/>
+        <p:nvPr/>
+      </p:nvGrpSpPr>
+      <p:grpSpPr>
+        <a:xfrm>
+          <a:off x="0" y="0"/>
+          <a:ext cx="0" cy="0"/>
+          <a:chOff x="0" y="0"/>
+          <a:chExt cx="0" cy="0"/>
+        </a:xfrm>
+      </p:grpSpPr>
+      <p:sp>
+        <p:nvSpPr>
+          <p:cNvPr id="2" name="Заголовок 1"/>
+          <p:cNvSpPr>
+            <a:spLocks noGrp="1"/>
+          </p:cNvSpPr>
+          <p:nvPr>
+            <p:ph type="title"/>
+          </p:nvPr>
+        </p:nvSpPr>
+        <p:spPr>
+          <a:xfrm>
+            <a:off x="762000" y="2085696"/>
+            <a:ext cx="7620000" cy="857250"/>
           </a:xfrm>
         </p:spPr>
         <p:txBody>
@@ -3330,8 +3682,8 @@
         </p:nvSpPr>
         <p:spPr>
           <a:xfrm>
-            <a:off x="2082552" y="332656"/>
-            <a:ext cx="4978896" cy="1143000"/>
+            <a:off x="2082552" y="51470"/>
+            <a:ext cx="4978896" cy="857250"/>
           </a:xfrm>
         </p:spPr>
         <p:txBody>
@@ -3347,42 +3699,6 @@
               <a:t>Python?</a:t>
             </a:r>
             <a:endParaRPr lang="ru-RU" dirty="0"/>
-          </a:p>
-        </p:txBody>
-      </p:sp>
-      <p:sp>
-        <p:nvSpPr>
-          <p:cNvPr id="3" name="Объект 2"/>
-          <p:cNvSpPr>
-            <a:spLocks noGrp="1"/>
-          </p:cNvSpPr>
-          <p:nvPr>
-            <p:ph idx="1"/>
-          </p:nvPr>
-        </p:nvSpPr>
-        <p:spPr>
-          <a:xfrm>
-            <a:off x="107504" y="1340768"/>
-            <a:ext cx="3744416" cy="5400600"/>
-          </a:xfrm>
-        </p:spPr>
-        <p:txBody>
-          <a:bodyPr>
-            <a:normAutofit/>
-          </a:bodyPr>
-          <a:lstStyle/>
-          <a:p>
-            <a:pPr marL="114300" indent="0">
-              <a:buNone/>
-            </a:pPr>
-            <a:r>
-              <a:rPr lang="ru-RU" dirty="0" err="1"/>
-              <a:t>Python</a:t>
-            </a:r>
-            <a:r>
-              <a:rPr lang="ru-RU" dirty="0"/>
-              <a:t> — активно развивающийся язык программирования, общего назначения, ориентированный на повышение производительности разработчика и читаемости кода.</a:t>
-            </a:r>
           </a:p>
         </p:txBody>
       </p:sp>
@@ -3409,8 +3725,8 @@
         </p:blipFill>
         <p:spPr bwMode="auto">
           <a:xfrm>
-            <a:off x="3779912" y="1841373"/>
-            <a:ext cx="4514842" cy="3349539"/>
+            <a:off x="647092" y="843558"/>
+            <a:ext cx="7532496" cy="4191240"/>
           </a:xfrm>
           <a:prstGeom prst="rect">
             <a:avLst/>
@@ -3487,8 +3803,8 @@
         </p:blipFill>
         <p:spPr bwMode="auto">
           <a:xfrm>
-            <a:off x="107504" y="1268760"/>
-            <a:ext cx="8208912" cy="3744416"/>
+            <a:off x="107504" y="555526"/>
+            <a:ext cx="8314154" cy="4392488"/>
           </a:xfrm>
           <a:prstGeom prst="rect">
             <a:avLst/>
@@ -3554,8 +3870,8 @@
         </p:nvSpPr>
         <p:spPr>
           <a:xfrm>
-            <a:off x="2699792" y="260648"/>
-            <a:ext cx="3744416" cy="1143000"/>
+            <a:off x="2699792" y="195486"/>
+            <a:ext cx="3744416" cy="857250"/>
           </a:xfrm>
         </p:spPr>
         <p:txBody>
@@ -3582,39 +3898,41 @@
         </p:nvSpPr>
         <p:spPr>
           <a:xfrm>
-            <a:off x="76339" y="2708920"/>
-            <a:ext cx="4464496" cy="1800200"/>
+            <a:off x="76339" y="1131590"/>
+            <a:ext cx="4464496" cy="4011910"/>
           </a:xfrm>
         </p:spPr>
         <p:txBody>
-          <a:bodyPr/>
+          <a:bodyPr>
+            <a:noAutofit/>
+          </a:bodyPr>
           <a:lstStyle/>
           <a:p>
             <a:pPr marL="114300" indent="0">
               <a:buNone/>
             </a:pPr>
             <a:r>
-              <a:rPr lang="ru-RU" dirty="0" smtClean="0"/>
+              <a:rPr lang="ru-RU" sz="3200" dirty="0" smtClean="0"/>
               <a:t>Написать </a:t>
             </a:r>
             <a:r>
-              <a:rPr lang="ru-RU" dirty="0"/>
+              <a:rPr lang="ru-RU" sz="3200" dirty="0"/>
               <a:t>игру “Сапер” на языке программирования </a:t>
             </a:r>
             <a:r>
-              <a:rPr lang="en-US" dirty="0"/>
+              <a:rPr lang="en-US" sz="3200" dirty="0"/>
               <a:t>Python</a:t>
             </a:r>
             <a:r>
-              <a:rPr lang="ru-RU" dirty="0"/>
+              <a:rPr lang="ru-RU" sz="3200" dirty="0"/>
               <a:t> с использованием библиотеки </a:t>
             </a:r>
             <a:r>
-              <a:rPr lang="en-US" dirty="0" err="1"/>
+              <a:rPr lang="en-US" sz="3200" dirty="0" err="1"/>
               <a:t>Tkinter</a:t>
             </a:r>
             <a:r>
-              <a:rPr lang="ru-RU" dirty="0"/>
+              <a:rPr lang="ru-RU" sz="3200" dirty="0"/>
               <a:t>.</a:t>
             </a:r>
           </a:p>
@@ -3643,8 +3961,8 @@
         </p:blipFill>
         <p:spPr bwMode="auto">
           <a:xfrm>
-            <a:off x="4572000" y="1772816"/>
-            <a:ext cx="3442519" cy="4491527"/>
+            <a:off x="4499992" y="1326496"/>
+            <a:ext cx="3771339" cy="3690409"/>
           </a:xfrm>
           <a:prstGeom prst="rect">
             <a:avLst/>
@@ -3710,8 +4028,8 @@
         </p:nvSpPr>
         <p:spPr>
           <a:xfrm>
-            <a:off x="3558716" y="260648"/>
-            <a:ext cx="2026568" cy="1143000"/>
+            <a:off x="3558716" y="195486"/>
+            <a:ext cx="2026568" cy="857250"/>
           </a:xfrm>
         </p:spPr>
         <p:txBody>
@@ -3738,12 +4056,14 @@
         </p:nvSpPr>
         <p:spPr>
           <a:xfrm>
-            <a:off x="107504" y="1340768"/>
-            <a:ext cx="4464496" cy="3384376"/>
+            <a:off x="107504" y="1005576"/>
+            <a:ext cx="4464496" cy="3222358"/>
           </a:xfrm>
         </p:spPr>
         <p:txBody>
-          <a:bodyPr/>
+          <a:bodyPr>
+            <a:normAutofit/>
+          </a:bodyPr>
           <a:lstStyle/>
           <a:p>
             <a:pPr marL="114300" indent="0">
@@ -3783,8 +4103,8 @@
         </p:nvSpPr>
         <p:spPr>
           <a:xfrm>
-            <a:off x="4283968" y="3212976"/>
-            <a:ext cx="4104456" cy="3600400"/>
+            <a:off x="4283968" y="1851670"/>
+            <a:ext cx="4104456" cy="3258362"/>
           </a:xfrm>
           <a:prstGeom prst="rect">
             <a:avLst/>
@@ -3792,7 +4112,7 @@
         </p:spPr>
         <p:txBody>
           <a:bodyPr vert="horz" lIns="91440" tIns="45720" rIns="91440" bIns="45720" rtlCol="0">
-            <a:normAutofit/>
+            <a:normAutofit lnSpcReduction="10000"/>
           </a:bodyPr>
           <a:lstStyle>
             <a:lvl1pPr marL="342900" indent="-228600" algn="l" defTabSz="914400" rtl="0" eaLnBrk="1" latinLnBrk="0" hangingPunct="1">
@@ -4006,34 +4326,6 @@
           <a:chExt cx="0" cy="0"/>
         </a:xfrm>
       </p:grpSpPr>
-      <p:sp>
-        <p:nvSpPr>
-          <p:cNvPr id="2" name="Заголовок 1"/>
-          <p:cNvSpPr>
-            <a:spLocks noGrp="1"/>
-          </p:cNvSpPr>
-          <p:nvPr>
-            <p:ph type="title"/>
-          </p:nvPr>
-        </p:nvSpPr>
-        <p:spPr>
-          <a:xfrm>
-            <a:off x="257164" y="116632"/>
-            <a:ext cx="1882552" cy="1143000"/>
-          </a:xfrm>
-        </p:spPr>
-        <p:txBody>
-          <a:bodyPr/>
-          <a:lstStyle/>
-          <a:p>
-            <a:r>
-              <a:rPr lang="en-US" dirty="0" smtClean="0"/>
-              <a:t>GitHub</a:t>
-            </a:r>
-            <a:endParaRPr lang="ru-RU" dirty="0"/>
-          </a:p>
-        </p:txBody>
-      </p:sp>
       <p:pic>
         <p:nvPicPr>
           <p:cNvPr id="1026" name="Picture 2" descr="C:\Users\DOMAV\OneDrive\Desktop\Снимок.JPG"/>
@@ -4057,8 +4349,8 @@
         </p:blipFill>
         <p:spPr bwMode="auto">
           <a:xfrm>
-            <a:off x="2411760" y="1340768"/>
-            <a:ext cx="5832648" cy="5350219"/>
+            <a:off x="0" y="-2119"/>
+            <a:ext cx="7452320" cy="4811241"/>
           </a:xfrm>
           <a:prstGeom prst="rect">
             <a:avLst/>
@@ -4077,14 +4369,14 @@
       </p:pic>
       <p:sp>
         <p:nvSpPr>
-          <p:cNvPr id="4" name="TextBox 3"/>
+          <p:cNvPr id="6" name="TextBox 5"/>
           <p:cNvSpPr txBox="1"/>
           <p:nvPr/>
         </p:nvSpPr>
         <p:spPr>
           <a:xfrm>
-            <a:off x="196135" y="1343968"/>
-            <a:ext cx="2160240" cy="1477328"/>
+            <a:off x="4139952" y="4774168"/>
+            <a:ext cx="4320480" cy="369332"/>
           </a:xfrm>
           <a:prstGeom prst="rect">
             <a:avLst/>
@@ -4097,106 +4389,56 @@
           </a:bodyPr>
           <a:lstStyle/>
           <a:p>
-            <a:r>
-              <a:rPr lang="ru-RU" dirty="0" smtClean="0"/>
-              <a:t>Крупнейший</a:t>
-            </a:r>
-            <a:r>
-              <a:rPr lang="ru-RU" dirty="0"/>
-              <a:t> веб-сервис для </a:t>
-            </a:r>
-            <a:r>
-              <a:rPr lang="ru-RU" dirty="0" err="1" smtClean="0"/>
-              <a:t>хостингаIT</a:t>
-            </a:r>
-            <a:r>
-              <a:rPr lang="ru-RU" dirty="0" smtClean="0"/>
-              <a:t>-проектов</a:t>
-            </a:r>
-            <a:r>
-              <a:rPr lang="ru-RU" dirty="0"/>
-              <a:t> и их совместной разработки.</a:t>
-            </a:r>
-          </a:p>
-        </p:txBody>
-      </p:sp>
-      <p:sp>
-        <p:nvSpPr>
-          <p:cNvPr id="5" name="TextBox 4"/>
-          <p:cNvSpPr txBox="1"/>
+            <a:pPr algn="ctr"/>
+            <a:r>
+              <a:rPr lang="en-US" dirty="0"/>
+              <a:t>https://github.com/TimmmofeyD/mine</a:t>
+            </a:r>
+            <a:endParaRPr lang="ru-RU" dirty="0"/>
+          </a:p>
+        </p:txBody>
+      </p:sp>
+      <p:pic>
+        <p:nvPicPr>
+          <p:cNvPr id="3" name="Picture 2" descr="C:\Users\DOMAV\OneDrive\Desktop\Снимок.JPG"/>
+          <p:cNvPicPr>
+            <a:picLocks noChangeAspect="1" noChangeArrowheads="1"/>
+          </p:cNvPicPr>
           <p:nvPr/>
-        </p:nvSpPr>
-        <p:spPr>
+        </p:nvPicPr>
+        <p:blipFill>
+          <a:blip r:embed="rId3">
+            <a:extLst>
+              <a:ext uri="{28A0092B-C50C-407E-A947-70E740481C1C}">
+                <a14:useLocalDpi xmlns:a14="http://schemas.microsoft.com/office/drawing/2010/main" val="0"/>
+              </a:ext>
+            </a:extLst>
+          </a:blip>
+          <a:srcRect/>
+          <a:stretch>
+            <a:fillRect/>
+          </a:stretch>
+        </p:blipFill>
+        <p:spPr bwMode="auto">
           <a:xfrm>
-            <a:off x="196135" y="2826127"/>
-            <a:ext cx="2160240" cy="4031873"/>
+            <a:off x="7524328" y="2355726"/>
+            <a:ext cx="869006" cy="864097"/>
           </a:xfrm>
           <a:prstGeom prst="rect">
             <a:avLst/>
           </a:prstGeom>
           <a:noFill/>
+          <a:extLst>
+            <a:ext uri="{909E8E84-426E-40DD-AFC4-6F175D3DCCD1}">
+              <a14:hiddenFill xmlns:a14="http://schemas.microsoft.com/office/drawing/2010/main">
+                <a:solidFill>
+                  <a:srgbClr val="FFFFFF"/>
+                </a:solidFill>
+              </a14:hiddenFill>
+            </a:ext>
+          </a:extLst>
         </p:spPr>
-        <p:txBody>
-          <a:bodyPr wrap="square" rtlCol="0">
-            <a:spAutoFit/>
-          </a:bodyPr>
-          <a:lstStyle/>
-          <a:p>
-            <a:r>
-              <a:rPr lang="ru-RU" dirty="0" smtClean="0"/>
-              <a:t>Создатели сайта называют </a:t>
-            </a:r>
-            <a:r>
-              <a:rPr lang="ru-RU" dirty="0" err="1" smtClean="0"/>
-              <a:t>GitHub</a:t>
-            </a:r>
-            <a:r>
-              <a:rPr lang="ru-RU" dirty="0" smtClean="0"/>
-              <a:t> «социальной сетью для разработчиков».</a:t>
-            </a:r>
-          </a:p>
-          <a:p>
-            <a:r>
-              <a:rPr lang="ru-RU" dirty="0" smtClean="0"/>
-              <a:t>Кроме размещения кода, участники могут общаться, комментировать правки друг друга, а также следить за новостями знакомых.</a:t>
-            </a:r>
-          </a:p>
-          <a:p>
-            <a:endParaRPr lang="ru-RU" sz="2200" dirty="0"/>
-          </a:p>
-        </p:txBody>
-      </p:sp>
-      <p:sp>
-        <p:nvSpPr>
-          <p:cNvPr id="6" name="TextBox 5"/>
-          <p:cNvSpPr txBox="1"/>
-          <p:nvPr/>
-        </p:nvSpPr>
-        <p:spPr>
-          <a:xfrm>
-            <a:off x="2411760" y="836712"/>
-            <a:ext cx="5832648" cy="369332"/>
-          </a:xfrm>
-          <a:prstGeom prst="rect">
-            <a:avLst/>
-          </a:prstGeom>
-          <a:noFill/>
-        </p:spPr>
-        <p:txBody>
-          <a:bodyPr wrap="square" rtlCol="0">
-            <a:spAutoFit/>
-          </a:bodyPr>
-          <a:lstStyle/>
-          <a:p>
-            <a:pPr algn="ctr"/>
-            <a:r>
-              <a:rPr lang="en-US" dirty="0"/>
-              <a:t>https://github.com/TimmmofeyD/mine</a:t>
-            </a:r>
-            <a:endParaRPr lang="ru-RU" dirty="0"/>
-          </a:p>
-        </p:txBody>
-      </p:sp>
+      </p:pic>
     </p:spTree>
     <p:extLst>
       <p:ext uri="{BB962C8B-B14F-4D97-AF65-F5344CB8AC3E}">
@@ -4246,8 +4488,8 @@
         </p:nvSpPr>
         <p:spPr>
           <a:xfrm>
-            <a:off x="3527884" y="332656"/>
-            <a:ext cx="2088232" cy="720080"/>
+            <a:off x="3527884" y="249492"/>
+            <a:ext cx="2088232" cy="540060"/>
           </a:xfrm>
         </p:spPr>
         <p:txBody>
@@ -4288,8 +4530,8 @@
         </p:nvSpPr>
         <p:spPr>
           <a:xfrm>
-            <a:off x="457200" y="1600200"/>
-            <a:ext cx="7620000" cy="1756792"/>
+            <a:off x="457200" y="1200150"/>
+            <a:ext cx="7620000" cy="1317594"/>
           </a:xfrm>
         </p:spPr>
         <p:txBody>
@@ -4314,35 +4556,23 @@
               <a:t>это кроссплатформенная библиотека для разработки графического интерфейса на языке </a:t>
             </a:r>
             <a:r>
-              <a:rPr lang="en-US" dirty="0"/>
-              <a:t>Python (</a:t>
-            </a:r>
-            <a:r>
-              <a:rPr lang="ru-RU" b="1" dirty="0"/>
-              <a:t>начиная с </a:t>
-            </a:r>
-            <a:r>
-              <a:rPr lang="en-US" b="1" dirty="0"/>
-              <a:t>Python 3.0 </a:t>
-            </a:r>
-            <a:r>
-              <a:rPr lang="ru-RU" b="1" dirty="0"/>
-              <a:t>переименована в </a:t>
-            </a:r>
-            <a:r>
-              <a:rPr lang="en-US" b="1" dirty="0" err="1"/>
-              <a:t>tkinter</a:t>
-            </a:r>
-            <a:r>
-              <a:rPr lang="en-US" dirty="0"/>
-              <a:t>). </a:t>
-            </a:r>
-            <a:r>
-              <a:rPr lang="en-US" dirty="0" err="1"/>
+              <a:rPr lang="en-US" dirty="0" smtClean="0"/>
+              <a:t>Python</a:t>
+            </a:r>
+            <a:r>
+              <a:rPr lang="ru-RU" dirty="0" smtClean="0"/>
+              <a:t>.</a:t>
+            </a:r>
+            <a:r>
+              <a:rPr lang="en-US" dirty="0" smtClean="0"/>
+              <a:t> </a:t>
+            </a:r>
+            <a:r>
+              <a:rPr lang="en-US" dirty="0" err="1" smtClean="0"/>
               <a:t>Tkinter</a:t>
             </a:r>
             <a:r>
-              <a:rPr lang="en-US" dirty="0"/>
+              <a:rPr lang="en-US" dirty="0" smtClean="0"/>
               <a:t> </a:t>
             </a:r>
             <a:r>
@@ -4437,8 +4667,8 @@
         </p:nvSpPr>
         <p:spPr>
           <a:xfrm>
-            <a:off x="3018656" y="260648"/>
-            <a:ext cx="3106688" cy="1143000"/>
+            <a:off x="3018656" y="195486"/>
+            <a:ext cx="3106688" cy="857250"/>
           </a:xfrm>
         </p:spPr>
         <p:txBody>
@@ -4465,7 +4695,7 @@
         </p:nvSpPr>
         <p:spPr>
           <a:xfrm>
-            <a:off x="166494" y="1281856"/>
+            <a:off x="166494" y="961392"/>
             <a:ext cx="8136904" cy="4493538"/>
           </a:xfrm>
           <a:prstGeom prst="rect">
@@ -4615,37 +4845,9 @@
           <a:chExt cx="0" cy="0"/>
         </a:xfrm>
       </p:grpSpPr>
-      <p:sp>
-        <p:nvSpPr>
-          <p:cNvPr id="2" name="Заголовок 1"/>
-          <p:cNvSpPr>
-            <a:spLocks noGrp="1"/>
-          </p:cNvSpPr>
-          <p:nvPr>
-            <p:ph type="title"/>
-          </p:nvPr>
-        </p:nvSpPr>
-        <p:spPr>
-          <a:xfrm>
-            <a:off x="3162672" y="57828"/>
-            <a:ext cx="2818656" cy="1143000"/>
-          </a:xfrm>
-        </p:spPr>
-        <p:txBody>
-          <a:bodyPr/>
-          <a:lstStyle/>
-          <a:p>
-            <a:r>
-              <a:rPr lang="ru-RU" dirty="0" smtClean="0"/>
-              <a:t>Будущие </a:t>
-            </a:r>
-            <a:endParaRPr lang="ru-RU" dirty="0"/>
-          </a:p>
-        </p:txBody>
-      </p:sp>
       <p:pic>
         <p:nvPicPr>
-          <p:cNvPr id="1031" name="Picture 7" descr="C:\Users\DOMAV\OneDrive\Desktop\Снимок.JPG"/>
+          <p:cNvPr id="2050" name="Picture 2" descr="C:\Users\DOMAV\OneDrive\Desktop\Инициализация.JPG"/>
           <p:cNvPicPr>
             <a:picLocks noChangeAspect="1" noChangeArrowheads="1"/>
           </p:cNvPicPr>
@@ -4666,8 +4868,8 @@
         </p:blipFill>
         <p:spPr bwMode="auto">
           <a:xfrm>
-            <a:off x="0" y="1052736"/>
-            <a:ext cx="5148064" cy="5647729"/>
+            <a:off x="0" y="0"/>
+            <a:ext cx="6558216" cy="5143500"/>
           </a:xfrm>
           <a:prstGeom prst="rect">
             <a:avLst/>
@@ -4684,51 +4886,46 @@
           </a:extLst>
         </p:spPr>
       </p:pic>
-      <p:pic>
-        <p:nvPicPr>
-          <p:cNvPr id="1032" name="Picture 8" descr="C:\Users\DOMAV\OneDrive\Desktop\Снимок.JPG"/>
-          <p:cNvPicPr>
-            <a:picLocks noChangeAspect="1" noChangeArrowheads="1"/>
-          </p:cNvPicPr>
+      <p:sp>
+        <p:nvSpPr>
+          <p:cNvPr id="4" name="TextBox 3"/>
+          <p:cNvSpPr txBox="1"/>
           <p:nvPr/>
-        </p:nvPicPr>
-        <p:blipFill>
-          <a:blip r:embed="rId3">
-            <a:extLst>
-              <a:ext uri="{28A0092B-C50C-407E-A947-70E740481C1C}">
-                <a14:useLocalDpi xmlns:a14="http://schemas.microsoft.com/office/drawing/2010/main" val="0"/>
-              </a:ext>
-            </a:extLst>
-          </a:blip>
-          <a:srcRect/>
-          <a:stretch>
-            <a:fillRect/>
-          </a:stretch>
-        </p:blipFill>
-        <p:spPr bwMode="auto">
+        </p:nvSpPr>
+        <p:spPr>
           <a:xfrm>
-            <a:off x="5220072" y="1916832"/>
-            <a:ext cx="2575406" cy="3406928"/>
+            <a:off x="6558216" y="627534"/>
+            <a:ext cx="1932224" cy="3539430"/>
           </a:xfrm>
           <a:prstGeom prst="rect">
             <a:avLst/>
           </a:prstGeom>
           <a:noFill/>
-          <a:extLst>
-            <a:ext uri="{909E8E84-426E-40DD-AFC4-6F175D3DCCD1}">
-              <a14:hiddenFill xmlns:a14="http://schemas.microsoft.com/office/drawing/2010/main">
-                <a:solidFill>
-                  <a:srgbClr val="FFFFFF"/>
-                </a:solidFill>
-              </a14:hiddenFill>
-            </a:ext>
-          </a:extLst>
         </p:spPr>
-      </p:pic>
+        <p:txBody>
+          <a:bodyPr wrap="square" rtlCol="0">
+            <a:spAutoFit/>
+          </a:bodyPr>
+          <a:lstStyle/>
+          <a:p>
+            <a:r>
+              <a:rPr lang="ru-RU" sz="2800" dirty="0" smtClean="0">
+                <a:latin typeface="Times New Roman" panose="02020603050405020304" pitchFamily="18" charset="0"/>
+                <a:cs typeface="Times New Roman" panose="02020603050405020304" pitchFamily="18" charset="0"/>
+              </a:rPr>
+              <a:t>Весь исполняемый код находиться в одном классе и состоит из 11 методов</a:t>
+            </a:r>
+            <a:endParaRPr lang="ru-RU" sz="2800" dirty="0">
+              <a:latin typeface="Times New Roman" panose="02020603050405020304" pitchFamily="18" charset="0"/>
+              <a:cs typeface="Times New Roman" panose="02020603050405020304" pitchFamily="18" charset="0"/>
+            </a:endParaRPr>
+          </a:p>
+        </p:txBody>
+      </p:sp>
     </p:spTree>
     <p:extLst>
       <p:ext uri="{BB962C8B-B14F-4D97-AF65-F5344CB8AC3E}">
-        <p14:creationId xmlns:p14="http://schemas.microsoft.com/office/powerpoint/2010/main" val="1088258884"/>
+        <p14:creationId xmlns:p14="http://schemas.microsoft.com/office/powerpoint/2010/main" val="818072402"/>
       </p:ext>
     </p:extLst>
   </p:cSld>

--- a/Presentation.pptx
+++ b/Presentation.pptx
@@ -314,7 +314,7 @@
           <a:p>
             <a:fld id="{B4C71EC6-210F-42DE-9C53-41977AD35B3D}" type="datetimeFigureOut">
               <a:rPr lang="ru-RU" smtClean="0"/>
-              <a:t>10.03.2020</a:t>
+              <a:t>14.03.2020</a:t>
             </a:fld>
             <a:endParaRPr lang="ru-RU"/>
           </a:p>
@@ -479,7 +479,7 @@
           <a:p>
             <a:fld id="{B4C71EC6-210F-42DE-9C53-41977AD35B3D}" type="datetimeFigureOut">
               <a:rPr lang="ru-RU" smtClean="0"/>
-              <a:t>10.03.2020</a:t>
+              <a:t>14.03.2020</a:t>
             </a:fld>
             <a:endParaRPr lang="ru-RU"/>
           </a:p>
@@ -654,7 +654,7 @@
           <a:p>
             <a:fld id="{B4C71EC6-210F-42DE-9C53-41977AD35B3D}" type="datetimeFigureOut">
               <a:rPr lang="ru-RU" smtClean="0"/>
-              <a:t>10.03.2020</a:t>
+              <a:t>14.03.2020</a:t>
             </a:fld>
             <a:endParaRPr lang="ru-RU"/>
           </a:p>
@@ -819,7 +819,7 @@
           <a:p>
             <a:fld id="{B4C71EC6-210F-42DE-9C53-41977AD35B3D}" type="datetimeFigureOut">
               <a:rPr lang="ru-RU" smtClean="0"/>
-              <a:t>10.03.2020</a:t>
+              <a:t>14.03.2020</a:t>
             </a:fld>
             <a:endParaRPr lang="ru-RU"/>
           </a:p>
@@ -1060,7 +1060,7 @@
           <a:p>
             <a:fld id="{B4C71EC6-210F-42DE-9C53-41977AD35B3D}" type="datetimeFigureOut">
               <a:rPr lang="ru-RU" smtClean="0"/>
-              <a:t>10.03.2020</a:t>
+              <a:t>14.03.2020</a:t>
             </a:fld>
             <a:endParaRPr lang="ru-RU"/>
           </a:p>
@@ -1343,7 +1343,7 @@
           <a:p>
             <a:fld id="{B4C71EC6-210F-42DE-9C53-41977AD35B3D}" type="datetimeFigureOut">
               <a:rPr lang="ru-RU" smtClean="0"/>
-              <a:t>10.03.2020</a:t>
+              <a:t>14.03.2020</a:t>
             </a:fld>
             <a:endParaRPr lang="ru-RU"/>
           </a:p>
@@ -1772,7 +1772,7 @@
           <a:p>
             <a:fld id="{B4C71EC6-210F-42DE-9C53-41977AD35B3D}" type="datetimeFigureOut">
               <a:rPr lang="ru-RU" smtClean="0"/>
-              <a:t>10.03.2020</a:t>
+              <a:t>14.03.2020</a:t>
             </a:fld>
             <a:endParaRPr lang="ru-RU"/>
           </a:p>
@@ -1885,7 +1885,7 @@
           <a:p>
             <a:fld id="{B4C71EC6-210F-42DE-9C53-41977AD35B3D}" type="datetimeFigureOut">
               <a:rPr lang="ru-RU" smtClean="0"/>
-              <a:t>10.03.2020</a:t>
+              <a:t>14.03.2020</a:t>
             </a:fld>
             <a:endParaRPr lang="ru-RU"/>
           </a:p>
@@ -1975,7 +1975,7 @@
           <a:p>
             <a:fld id="{B4C71EC6-210F-42DE-9C53-41977AD35B3D}" type="datetimeFigureOut">
               <a:rPr lang="ru-RU" smtClean="0"/>
-              <a:t>10.03.2020</a:t>
+              <a:t>14.03.2020</a:t>
             </a:fld>
             <a:endParaRPr lang="ru-RU"/>
           </a:p>
@@ -2164,7 +2164,7 @@
           <a:p>
             <a:fld id="{B4C71EC6-210F-42DE-9C53-41977AD35B3D}" type="datetimeFigureOut">
               <a:rPr lang="ru-RU" smtClean="0"/>
-              <a:t>10.03.2020</a:t>
+              <a:t>14.03.2020</a:t>
             </a:fld>
             <a:endParaRPr lang="ru-RU"/>
           </a:p>
@@ -2482,7 +2482,7 @@
           <a:p>
             <a:fld id="{B4C71EC6-210F-42DE-9C53-41977AD35B3D}" type="datetimeFigureOut">
               <a:rPr lang="ru-RU" smtClean="0"/>
-              <a:t>10.03.2020</a:t>
+              <a:t>14.03.2020</a:t>
             </a:fld>
             <a:endParaRPr lang="ru-RU"/>
           </a:p>
@@ -2861,7 +2861,7 @@
           <a:p>
             <a:fld id="{B4C71EC6-210F-42DE-9C53-41977AD35B3D}" type="datetimeFigureOut">
               <a:rPr lang="ru-RU" smtClean="0"/>
-              <a:t>10.03.2020</a:t>
+              <a:t>14.03.2020</a:t>
             </a:fld>
             <a:endParaRPr lang="ru-RU"/>
           </a:p>
@@ -3224,6 +3224,65 @@
           </a:p>
         </p:txBody>
       </p:sp>
+      <p:sp>
+        <p:nvSpPr>
+          <p:cNvPr id="3" name="TextBox 2"/>
+          <p:cNvSpPr txBox="1"/>
+          <p:nvPr/>
+        </p:nvSpPr>
+        <p:spPr>
+          <a:xfrm>
+            <a:off x="5591055" y="3943171"/>
+            <a:ext cx="2880320" cy="1200329"/>
+          </a:xfrm>
+          <a:prstGeom prst="rect">
+            <a:avLst/>
+          </a:prstGeom>
+          <a:noFill/>
+        </p:spPr>
+        <p:txBody>
+          <a:bodyPr wrap="square" rtlCol="0">
+            <a:spAutoFit/>
+          </a:bodyPr>
+          <a:lstStyle/>
+          <a:p>
+            <a:r>
+              <a:rPr lang="ru-RU" dirty="0" smtClean="0">
+                <a:latin typeface="Times New Roman" panose="02020603050405020304" pitchFamily="18" charset="0"/>
+                <a:cs typeface="Times New Roman" panose="02020603050405020304" pitchFamily="18" charset="0"/>
+              </a:rPr>
+              <a:t>Делал: Лищенко Тимофей</a:t>
+            </a:r>
+          </a:p>
+          <a:p>
+            <a:r>
+              <a:rPr lang="ru-RU" dirty="0" smtClean="0">
+                <a:latin typeface="Times New Roman" panose="02020603050405020304" pitchFamily="18" charset="0"/>
+                <a:cs typeface="Times New Roman" panose="02020603050405020304" pitchFamily="18" charset="0"/>
+              </a:rPr>
+              <a:t>Научный руководитель: </a:t>
+            </a:r>
+            <a:r>
+              <a:rPr lang="ru-RU" dirty="0" err="1" smtClean="0">
+                <a:latin typeface="Times New Roman" panose="02020603050405020304" pitchFamily="18" charset="0"/>
+                <a:cs typeface="Times New Roman" panose="02020603050405020304" pitchFamily="18" charset="0"/>
+              </a:rPr>
+              <a:t>Мангазеев</a:t>
+            </a:r>
+            <a:r>
+              <a:rPr lang="ru-RU" dirty="0" smtClean="0">
+                <a:latin typeface="Times New Roman" panose="02020603050405020304" pitchFamily="18" charset="0"/>
+                <a:cs typeface="Times New Roman" panose="02020603050405020304" pitchFamily="18" charset="0"/>
+              </a:rPr>
+              <a:t> А.Ю. учитель информатики и ИКТ</a:t>
+            </a:r>
+            <a:endParaRPr lang="ru-RU" dirty="0">
+              <a:latin typeface="Times New Roman" panose="02020603050405020304" pitchFamily="18" charset="0"/>
+              <a:cs typeface="Times New Roman" panose="02020603050405020304" pitchFamily="18" charset="0"/>
+            </a:endParaRPr>
+          </a:p>
+        </p:txBody>
+      </p:sp>
     </p:spTree>
     <p:extLst>
       <p:ext uri="{BB962C8B-B14F-4D97-AF65-F5344CB8AC3E}">
@@ -3546,8 +3605,8 @@
         </p:blipFill>
         <p:spPr bwMode="auto">
           <a:xfrm>
-            <a:off x="2771800" y="1209435"/>
-            <a:ext cx="3151470" cy="3126739"/>
+            <a:off x="2555776" y="1209434"/>
+            <a:ext cx="3655526" cy="3626839"/>
           </a:xfrm>
           <a:prstGeom prst="rect">
             <a:avLst/>
@@ -3725,8 +3784,8 @@
         </p:blipFill>
         <p:spPr bwMode="auto">
           <a:xfrm>
-            <a:off x="647092" y="843558"/>
-            <a:ext cx="7532496" cy="4191240"/>
+            <a:off x="0" y="843558"/>
+            <a:ext cx="8460432" cy="4299942"/>
           </a:xfrm>
           <a:prstGeom prst="rect">
             <a:avLst/>
@@ -3803,8 +3862,8 @@
         </p:blipFill>
         <p:spPr bwMode="auto">
           <a:xfrm>
-            <a:off x="107504" y="555526"/>
-            <a:ext cx="8314154" cy="4392488"/>
+            <a:off x="23465" y="0"/>
+            <a:ext cx="8398193" cy="5143500"/>
           </a:xfrm>
           <a:prstGeom prst="rect">
             <a:avLst/>
